--- a/Assets/StreamingAssets/2D_Objects/Practice/~Practice-Instructions.pptx
+++ b/Assets/StreamingAssets/2D_Objects/Practice/~Practice-Instructions.pptx
@@ -25,6 +25,7 @@
     <p:sldId id="266" r:id="rId19"/>
     <p:sldId id="269" r:id="rId20"/>
     <p:sldId id="288" r:id="rId21"/>
+    <p:sldId id="299" r:id="rId22"/>
   </p:sldIdLst>
   <p:sldSz cx="12192000" cy="6858000"/>
   <p:notesSz cx="6858000" cy="9144000"/>
@@ -289,7 +290,7 @@
           <a:p>
             <a:fld id="{CA365A23-D275-4D5C-A163-A5AA11A9E6CE}" type="datetimeFigureOut">
               <a:rPr lang="en-US" smtClean="0"/>
-              <a:t>6/11/2020</a:t>
+              <a:t>6/11/20</a:t>
             </a:fld>
             <a:endParaRPr lang="en-US"/>
           </a:p>
@@ -487,7 +488,7 @@
           <a:p>
             <a:fld id="{CA365A23-D275-4D5C-A163-A5AA11A9E6CE}" type="datetimeFigureOut">
               <a:rPr lang="en-US" smtClean="0"/>
-              <a:t>6/11/2020</a:t>
+              <a:t>6/11/20</a:t>
             </a:fld>
             <a:endParaRPr lang="en-US"/>
           </a:p>
@@ -695,7 +696,7 @@
           <a:p>
             <a:fld id="{CA365A23-D275-4D5C-A163-A5AA11A9E6CE}" type="datetimeFigureOut">
               <a:rPr lang="en-US" smtClean="0"/>
-              <a:t>6/11/2020</a:t>
+              <a:t>6/11/20</a:t>
             </a:fld>
             <a:endParaRPr lang="en-US"/>
           </a:p>
@@ -893,7 +894,7 @@
           <a:p>
             <a:fld id="{CA365A23-D275-4D5C-A163-A5AA11A9E6CE}" type="datetimeFigureOut">
               <a:rPr lang="en-US" smtClean="0"/>
-              <a:t>6/11/2020</a:t>
+              <a:t>6/11/20</a:t>
             </a:fld>
             <a:endParaRPr lang="en-US"/>
           </a:p>
@@ -1168,7 +1169,7 @@
           <a:p>
             <a:fld id="{CA365A23-D275-4D5C-A163-A5AA11A9E6CE}" type="datetimeFigureOut">
               <a:rPr lang="en-US" smtClean="0"/>
-              <a:t>6/11/2020</a:t>
+              <a:t>6/11/20</a:t>
             </a:fld>
             <a:endParaRPr lang="en-US"/>
           </a:p>
@@ -1433,7 +1434,7 @@
           <a:p>
             <a:fld id="{CA365A23-D275-4D5C-A163-A5AA11A9E6CE}" type="datetimeFigureOut">
               <a:rPr lang="en-US" smtClean="0"/>
-              <a:t>6/11/2020</a:t>
+              <a:t>6/11/20</a:t>
             </a:fld>
             <a:endParaRPr lang="en-US"/>
           </a:p>
@@ -1845,7 +1846,7 @@
           <a:p>
             <a:fld id="{CA365A23-D275-4D5C-A163-A5AA11A9E6CE}" type="datetimeFigureOut">
               <a:rPr lang="en-US" smtClean="0"/>
-              <a:t>6/11/2020</a:t>
+              <a:t>6/11/20</a:t>
             </a:fld>
             <a:endParaRPr lang="en-US"/>
           </a:p>
@@ -1986,7 +1987,7 @@
           <a:p>
             <a:fld id="{CA365A23-D275-4D5C-A163-A5AA11A9E6CE}" type="datetimeFigureOut">
               <a:rPr lang="en-US" smtClean="0"/>
-              <a:t>6/11/2020</a:t>
+              <a:t>6/11/20</a:t>
             </a:fld>
             <a:endParaRPr lang="en-US"/>
           </a:p>
@@ -2099,7 +2100,7 @@
           <a:p>
             <a:fld id="{CA365A23-D275-4D5C-A163-A5AA11A9E6CE}" type="datetimeFigureOut">
               <a:rPr lang="en-US" smtClean="0"/>
-              <a:t>6/11/2020</a:t>
+              <a:t>6/11/20</a:t>
             </a:fld>
             <a:endParaRPr lang="en-US"/>
           </a:p>
@@ -2410,7 +2411,7 @@
           <a:p>
             <a:fld id="{CA365A23-D275-4D5C-A163-A5AA11A9E6CE}" type="datetimeFigureOut">
               <a:rPr lang="en-US" smtClean="0"/>
-              <a:t>6/11/2020</a:t>
+              <a:t>6/11/20</a:t>
             </a:fld>
             <a:endParaRPr lang="en-US"/>
           </a:p>
@@ -2698,7 +2699,7 @@
           <a:p>
             <a:fld id="{CA365A23-D275-4D5C-A163-A5AA11A9E6CE}" type="datetimeFigureOut">
               <a:rPr lang="en-US" smtClean="0"/>
-              <a:t>6/11/2020</a:t>
+              <a:t>6/11/20</a:t>
             </a:fld>
             <a:endParaRPr lang="en-US"/>
           </a:p>
@@ -2939,7 +2940,7 @@
           <a:p>
             <a:fld id="{CA365A23-D275-4D5C-A163-A5AA11A9E6CE}" type="datetimeFigureOut">
               <a:rPr lang="en-US" smtClean="0"/>
-              <a:t>6/11/2020</a:t>
+              <a:t>6/11/20</a:t>
             </a:fld>
             <a:endParaRPr lang="en-US"/>
           </a:p>
@@ -3552,6 +3553,55 @@
           </a:p>
         </p:txBody>
       </p:sp>
+      <p:sp>
+        <p:nvSpPr>
+          <p:cNvPr id="6" name="TextBox 5">
+            <a:extLst>
+              <a:ext uri="{FF2B5EF4-FFF2-40B4-BE49-F238E27FC236}">
+                <a16:creationId xmlns:a16="http://schemas.microsoft.com/office/drawing/2014/main" id="{C43CFEC8-F700-8549-AC85-66FC11C5F411}"/>
+              </a:ext>
+            </a:extLst>
+          </p:cNvPr>
+          <p:cNvSpPr txBox="1"/>
+          <p:nvPr/>
+        </p:nvSpPr>
+        <p:spPr>
+          <a:xfrm>
+            <a:off x="10966290" y="138597"/>
+            <a:ext cx="901381" cy="523220"/>
+          </a:xfrm>
+          <a:prstGeom prst="rect">
+            <a:avLst/>
+          </a:prstGeom>
+          <a:noFill/>
+        </p:spPr>
+        <p:txBody>
+          <a:bodyPr wrap="square" rtlCol="0">
+            <a:spAutoFit/>
+          </a:bodyPr>
+          <a:lstStyle/>
+          <a:p>
+            <a:pPr algn="ctr"/>
+            <a:r>
+              <a:rPr lang="en-US" altLang="zh-CN" sz="2800" dirty="0">
+                <a:solidFill>
+                  <a:schemeClr val="bg1">
+                    <a:lumMod val="50000"/>
+                  </a:schemeClr>
+                </a:solidFill>
+              </a:rPr>
+              <a:t>C</a:t>
+            </a:r>
+            <a:endParaRPr lang="en-US" sz="2800" dirty="0">
+              <a:solidFill>
+                <a:schemeClr val="bg1">
+                  <a:lumMod val="50000"/>
+                </a:schemeClr>
+              </a:solidFill>
+            </a:endParaRPr>
+          </a:p>
+        </p:txBody>
+      </p:sp>
     </p:spTree>
     <p:extLst>
       <p:ext uri="{BB962C8B-B14F-4D97-AF65-F5344CB8AC3E}">
@@ -7132,7 +7182,7 @@
             <a:noFill/>
             <a:extLst>
               <a:ext uri="{909E8E84-426E-40dd-AFC4-6F175D3DCCD1}">
-                <a14:hiddenFill xmlns:a14="http://schemas.microsoft.com/office/drawing/2010/main" xmlns="">
+                <a14:hiddenFill xmlns="" xmlns:a14="http://schemas.microsoft.com/office/drawing/2010/main">
                   <a:solidFill>
                     <a:srgbClr val="FFFFFF"/>
                   </a:solidFill>
@@ -7177,7 +7227,7 @@
             <a:noFill/>
             <a:extLst>
               <a:ext uri="{909E8E84-426E-40dd-AFC4-6F175D3DCCD1}">
-                <a14:hiddenFill xmlns:a14="http://schemas.microsoft.com/office/drawing/2010/main" xmlns="">
+                <a14:hiddenFill xmlns="" xmlns:a14="http://schemas.microsoft.com/office/drawing/2010/main">
                   <a:solidFill>
                     <a:srgbClr val="FFFFFF"/>
                   </a:solidFill>
@@ -7222,7 +7272,7 @@
             <a:noFill/>
             <a:extLst>
               <a:ext uri="{909E8E84-426E-40dd-AFC4-6F175D3DCCD1}">
-                <a14:hiddenFill xmlns:a14="http://schemas.microsoft.com/office/drawing/2010/main" xmlns="">
+                <a14:hiddenFill xmlns="" xmlns:a14="http://schemas.microsoft.com/office/drawing/2010/main">
                   <a:solidFill>
                     <a:srgbClr val="FFFFFF"/>
                   </a:solidFill>
@@ -9027,6 +9077,281 @@
 </p:sld>
 </file>
 
+<file path=ppt/slides/slide21.xml><?xml version="1.0" encoding="utf-8"?>
+<p:sld xmlns:a="http://schemas.openxmlformats.org/drawingml/2006/main" xmlns:r="http://schemas.openxmlformats.org/officeDocument/2006/relationships" xmlns:p="http://schemas.openxmlformats.org/presentationml/2006/main">
+  <p:cSld>
+    <p:spTree>
+      <p:nvGrpSpPr>
+        <p:cNvPr id="1" name=""/>
+        <p:cNvGrpSpPr/>
+        <p:nvPr/>
+      </p:nvGrpSpPr>
+      <p:grpSpPr>
+        <a:xfrm>
+          <a:off x="0" y="0"/>
+          <a:ext cx="0" cy="0"/>
+          <a:chOff x="0" y="0"/>
+          <a:chExt cx="0" cy="0"/>
+        </a:xfrm>
+      </p:grpSpPr>
+      <p:sp>
+        <p:nvSpPr>
+          <p:cNvPr id="2" name="Title 1"/>
+          <p:cNvSpPr>
+            <a:spLocks noGrp="1"/>
+          </p:cNvSpPr>
+          <p:nvPr>
+            <p:ph type="title"/>
+          </p:nvPr>
+        </p:nvSpPr>
+        <p:spPr>
+          <a:xfrm>
+            <a:off x="775019" y="0"/>
+            <a:ext cx="10515600" cy="1325563"/>
+          </a:xfrm>
+        </p:spPr>
+        <p:txBody>
+          <a:bodyPr/>
+          <a:lstStyle/>
+          <a:p>
+            <a:pPr algn="ctr"/>
+            <a:r>
+              <a:rPr lang="en-US" b="1" dirty="0"/>
+              <a:t>Session 1 Overview</a:t>
+            </a:r>
+          </a:p>
+        </p:txBody>
+      </p:sp>
+      <p:sp>
+        <p:nvSpPr>
+          <p:cNvPr id="3" name="Content Placeholder 2"/>
+          <p:cNvSpPr>
+            <a:spLocks noGrp="1"/>
+          </p:cNvSpPr>
+          <p:nvPr>
+            <p:ph idx="1"/>
+          </p:nvPr>
+        </p:nvSpPr>
+        <p:spPr>
+          <a:xfrm>
+            <a:off x="838200" y="1468124"/>
+            <a:ext cx="10515600" cy="4728059"/>
+          </a:xfrm>
+        </p:spPr>
+        <p:txBody>
+          <a:bodyPr>
+            <a:normAutofit/>
+          </a:bodyPr>
+          <a:lstStyle/>
+          <a:p>
+            <a:pPr marL="0" indent="0">
+              <a:buNone/>
+            </a:pPr>
+            <a:r>
+              <a:rPr lang="en-US" dirty="0"/>
+              <a:t>This session has </a:t>
+            </a:r>
+            <a:r>
+              <a:rPr lang="en-US" b="1" dirty="0"/>
+              <a:t>2 main sections</a:t>
+            </a:r>
+            <a:r>
+              <a:rPr lang="en-US" dirty="0"/>
+              <a:t>:</a:t>
+            </a:r>
+          </a:p>
+          <a:p>
+            <a:pPr marL="914400" lvl="1" indent="-457200">
+              <a:buFont typeface="+mj-lt"/>
+              <a:buAutoNum type="arabicPeriod"/>
+            </a:pPr>
+            <a:r>
+              <a:rPr lang="en-US" b="1" dirty="0"/>
+              <a:t>Practice – </a:t>
+            </a:r>
+            <a:r>
+              <a:rPr lang="en-US" dirty="0"/>
+              <a:t>Learn how to navigate in a virtual environment and collect money</a:t>
+            </a:r>
+            <a:endParaRPr lang="en-US" b="1" dirty="0"/>
+          </a:p>
+          <a:p>
+            <a:pPr marL="914400" lvl="1" indent="-457200">
+              <a:buFont typeface="+mj-lt"/>
+              <a:buAutoNum type="arabicPeriod"/>
+            </a:pPr>
+            <a:r>
+              <a:rPr lang="en-US" b="1" dirty="0"/>
+              <a:t>Bonus Pay – </a:t>
+            </a:r>
+            <a:r>
+              <a:rPr lang="en-US" dirty="0"/>
+              <a:t>All the money you collect in this section you will keep</a:t>
+            </a:r>
+            <a:endParaRPr lang="en-US" b="1" dirty="0"/>
+          </a:p>
+          <a:p>
+            <a:pPr marL="457200" lvl="1" indent="0">
+              <a:buNone/>
+            </a:pPr>
+            <a:endParaRPr lang="en-US" b="1" dirty="0"/>
+          </a:p>
+          <a:p>
+            <a:pPr marL="0" indent="0" algn="ctr">
+              <a:buNone/>
+            </a:pPr>
+            <a:r>
+              <a:rPr lang="en-US" dirty="0">
+                <a:solidFill>
+                  <a:srgbClr val="FF0000"/>
+                </a:solidFill>
+              </a:rPr>
+              <a:t>Please make sure to listen to each instruction carefully and </a:t>
+            </a:r>
+            <a:r>
+              <a:rPr lang="en-US" b="1" dirty="0">
+                <a:solidFill>
+                  <a:srgbClr val="FF0000"/>
+                </a:solidFill>
+              </a:rPr>
+              <a:t>wait for the experimenter to instruct you</a:t>
+            </a:r>
+            <a:r>
+              <a:rPr lang="en-US" dirty="0">
+                <a:solidFill>
+                  <a:srgbClr val="FF0000"/>
+                </a:solidFill>
+              </a:rPr>
+              <a:t> to proceed to the next instruction. </a:t>
+            </a:r>
+          </a:p>
+          <a:p>
+            <a:pPr marL="0" indent="0" algn="ctr">
+              <a:buNone/>
+            </a:pPr>
+            <a:endParaRPr lang="en-US" b="1" dirty="0">
+              <a:solidFill>
+                <a:schemeClr val="accent6"/>
+              </a:solidFill>
+            </a:endParaRPr>
+          </a:p>
+          <a:p>
+            <a:pPr marL="0" indent="0" algn="ctr">
+              <a:buNone/>
+            </a:pPr>
+            <a:r>
+              <a:rPr lang="en-US" b="1" dirty="0">
+                <a:solidFill>
+                  <a:schemeClr val="accent6"/>
+                </a:solidFill>
+              </a:rPr>
+              <a:t>Don’t be afraid to ask questions if you need clarification! </a:t>
+            </a:r>
+          </a:p>
+        </p:txBody>
+      </p:sp>
+      <p:sp>
+        <p:nvSpPr>
+          <p:cNvPr id="5" name="TextBox 4">
+            <a:extLst>
+              <a:ext uri="{FF2B5EF4-FFF2-40B4-BE49-F238E27FC236}">
+                <a16:creationId xmlns:a16="http://schemas.microsoft.com/office/drawing/2014/main" id="{80CFBE3F-ABD1-49DE-8A21-3409211CF6A4}"/>
+              </a:ext>
+            </a:extLst>
+          </p:cNvPr>
+          <p:cNvSpPr txBox="1"/>
+          <p:nvPr/>
+        </p:nvSpPr>
+        <p:spPr>
+          <a:xfrm>
+            <a:off x="3641723" y="5973619"/>
+            <a:ext cx="4782193" cy="461665"/>
+          </a:xfrm>
+          <a:prstGeom prst="rect">
+            <a:avLst/>
+          </a:prstGeom>
+          <a:noFill/>
+        </p:spPr>
+        <p:txBody>
+          <a:bodyPr wrap="square" rtlCol="0">
+            <a:spAutoFit/>
+          </a:bodyPr>
+          <a:lstStyle/>
+          <a:p>
+            <a:pPr algn="ctr"/>
+            <a:r>
+              <a:rPr lang="en-US" sz="2400" b="1" dirty="0">
+                <a:solidFill>
+                  <a:schemeClr val="accent6"/>
+                </a:solidFill>
+              </a:rPr>
+              <a:t>Do you have any questions?</a:t>
+            </a:r>
+          </a:p>
+        </p:txBody>
+      </p:sp>
+      <p:sp>
+        <p:nvSpPr>
+          <p:cNvPr id="6" name="TextBox 5">
+            <a:extLst>
+              <a:ext uri="{FF2B5EF4-FFF2-40B4-BE49-F238E27FC236}">
+                <a16:creationId xmlns:a16="http://schemas.microsoft.com/office/drawing/2014/main" id="{C43CFEC8-F700-8549-AC85-66FC11C5F411}"/>
+              </a:ext>
+            </a:extLst>
+          </p:cNvPr>
+          <p:cNvSpPr txBox="1"/>
+          <p:nvPr/>
+        </p:nvSpPr>
+        <p:spPr>
+          <a:xfrm>
+            <a:off x="10966290" y="138597"/>
+            <a:ext cx="901381" cy="523220"/>
+          </a:xfrm>
+          <a:prstGeom prst="rect">
+            <a:avLst/>
+          </a:prstGeom>
+          <a:noFill/>
+        </p:spPr>
+        <p:txBody>
+          <a:bodyPr wrap="square" rtlCol="0">
+            <a:spAutoFit/>
+          </a:bodyPr>
+          <a:lstStyle/>
+          <a:p>
+            <a:pPr algn="ctr"/>
+            <a:r>
+              <a:rPr lang="en-US" altLang="zh-CN" sz="2800" dirty="0">
+                <a:solidFill>
+                  <a:schemeClr val="bg1">
+                    <a:lumMod val="50000"/>
+                  </a:schemeClr>
+                </a:solidFill>
+              </a:rPr>
+              <a:t>S</a:t>
+            </a:r>
+            <a:endParaRPr lang="en-US" sz="2800" dirty="0">
+              <a:solidFill>
+                <a:schemeClr val="bg1">
+                  <a:lumMod val="50000"/>
+                </a:schemeClr>
+              </a:solidFill>
+            </a:endParaRPr>
+          </a:p>
+        </p:txBody>
+      </p:sp>
+    </p:spTree>
+    <p:extLst>
+      <p:ext uri="{BB962C8B-B14F-4D97-AF65-F5344CB8AC3E}">
+        <p14:creationId xmlns:p14="http://schemas.microsoft.com/office/powerpoint/2010/main" val="819034651"/>
+      </p:ext>
+    </p:extLst>
+  </p:cSld>
+  <p:clrMapOvr>
+    <a:masterClrMapping/>
+  </p:clrMapOvr>
+</p:sld>
+</file>
+
 <file path=ppt/slides/slide3.xml><?xml version="1.0" encoding="utf-8"?>
 <p:sld xmlns:a="http://schemas.openxmlformats.org/drawingml/2006/main" xmlns:r="http://schemas.openxmlformats.org/officeDocument/2006/relationships" xmlns:p="http://schemas.openxmlformats.org/presentationml/2006/main">
   <p:cSld>
@@ -9179,7 +9504,7 @@
             <a:noFill/>
             <a:extLst>
               <a:ext uri="{909E8E84-426E-40dd-AFC4-6F175D3DCCD1}">
-                <a14:hiddenFill xmlns:a14="http://schemas.microsoft.com/office/drawing/2010/main" xmlns="">
+                <a14:hiddenFill xmlns="" xmlns:a14="http://schemas.microsoft.com/office/drawing/2010/main">
                   <a:solidFill>
                     <a:srgbClr val="FFFFFF"/>
                   </a:solidFill>
@@ -10390,7 +10715,7 @@
             <a:noFill/>
             <a:extLst>
               <a:ext uri="{909E8E84-426E-40dd-AFC4-6F175D3DCCD1}">
-                <a14:hiddenFill xmlns:a14="http://schemas.microsoft.com/office/drawing/2010/main" xmlns="">
+                <a14:hiddenFill xmlns="" xmlns:a14="http://schemas.microsoft.com/office/drawing/2010/main">
                   <a:solidFill>
                     <a:srgbClr val="FFFFFF"/>
                   </a:solidFill>
@@ -10435,7 +10760,7 @@
             <a:noFill/>
             <a:extLst>
               <a:ext uri="{909E8E84-426E-40dd-AFC4-6F175D3DCCD1}">
-                <a14:hiddenFill xmlns:a14="http://schemas.microsoft.com/office/drawing/2010/main" xmlns="">
+                <a14:hiddenFill xmlns="" xmlns:a14="http://schemas.microsoft.com/office/drawing/2010/main">
                   <a:solidFill>
                     <a:srgbClr val="FFFFFF"/>
                   </a:solidFill>
@@ -10480,7 +10805,7 @@
             <a:noFill/>
             <a:extLst>
               <a:ext uri="{909E8E84-426E-40dd-AFC4-6F175D3DCCD1}">
-                <a14:hiddenFill xmlns:a14="http://schemas.microsoft.com/office/drawing/2010/main" xmlns="">
+                <a14:hiddenFill xmlns="" xmlns:a14="http://schemas.microsoft.com/office/drawing/2010/main">
                   <a:solidFill>
                     <a:srgbClr val="FFFFFF"/>
                   </a:solidFill>

--- a/Assets/StreamingAssets/2D_Objects/Practice/~Practice-Instructions.pptx
+++ b/Assets/StreamingAssets/2D_Objects/Practice/~Practice-Instructions.pptx
@@ -290,7 +290,7 @@
           <a:p>
             <a:fld id="{CA365A23-D275-4D5C-A163-A5AA11A9E6CE}" type="datetimeFigureOut">
               <a:rPr lang="en-US" smtClean="0"/>
-              <a:t>6/11/20</a:t>
+              <a:t>6/16/2020</a:t>
             </a:fld>
             <a:endParaRPr lang="en-US"/>
           </a:p>
@@ -488,7 +488,7 @@
           <a:p>
             <a:fld id="{CA365A23-D275-4D5C-A163-A5AA11A9E6CE}" type="datetimeFigureOut">
               <a:rPr lang="en-US" smtClean="0"/>
-              <a:t>6/11/20</a:t>
+              <a:t>6/16/2020</a:t>
             </a:fld>
             <a:endParaRPr lang="en-US"/>
           </a:p>
@@ -696,7 +696,7 @@
           <a:p>
             <a:fld id="{CA365A23-D275-4D5C-A163-A5AA11A9E6CE}" type="datetimeFigureOut">
               <a:rPr lang="en-US" smtClean="0"/>
-              <a:t>6/11/20</a:t>
+              <a:t>6/16/2020</a:t>
             </a:fld>
             <a:endParaRPr lang="en-US"/>
           </a:p>
@@ -894,7 +894,7 @@
           <a:p>
             <a:fld id="{CA365A23-D275-4D5C-A163-A5AA11A9E6CE}" type="datetimeFigureOut">
               <a:rPr lang="en-US" smtClean="0"/>
-              <a:t>6/11/20</a:t>
+              <a:t>6/16/2020</a:t>
             </a:fld>
             <a:endParaRPr lang="en-US"/>
           </a:p>
@@ -1169,7 +1169,7 @@
           <a:p>
             <a:fld id="{CA365A23-D275-4D5C-A163-A5AA11A9E6CE}" type="datetimeFigureOut">
               <a:rPr lang="en-US" smtClean="0"/>
-              <a:t>6/11/20</a:t>
+              <a:t>6/16/2020</a:t>
             </a:fld>
             <a:endParaRPr lang="en-US"/>
           </a:p>
@@ -1434,7 +1434,7 @@
           <a:p>
             <a:fld id="{CA365A23-D275-4D5C-A163-A5AA11A9E6CE}" type="datetimeFigureOut">
               <a:rPr lang="en-US" smtClean="0"/>
-              <a:t>6/11/20</a:t>
+              <a:t>6/16/2020</a:t>
             </a:fld>
             <a:endParaRPr lang="en-US"/>
           </a:p>
@@ -1846,7 +1846,7 @@
           <a:p>
             <a:fld id="{CA365A23-D275-4D5C-A163-A5AA11A9E6CE}" type="datetimeFigureOut">
               <a:rPr lang="en-US" smtClean="0"/>
-              <a:t>6/11/20</a:t>
+              <a:t>6/16/2020</a:t>
             </a:fld>
             <a:endParaRPr lang="en-US"/>
           </a:p>
@@ -1987,7 +1987,7 @@
           <a:p>
             <a:fld id="{CA365A23-D275-4D5C-A163-A5AA11A9E6CE}" type="datetimeFigureOut">
               <a:rPr lang="en-US" smtClean="0"/>
-              <a:t>6/11/20</a:t>
+              <a:t>6/16/2020</a:t>
             </a:fld>
             <a:endParaRPr lang="en-US"/>
           </a:p>
@@ -2100,7 +2100,7 @@
           <a:p>
             <a:fld id="{CA365A23-D275-4D5C-A163-A5AA11A9E6CE}" type="datetimeFigureOut">
               <a:rPr lang="en-US" smtClean="0"/>
-              <a:t>6/11/20</a:t>
+              <a:t>6/16/2020</a:t>
             </a:fld>
             <a:endParaRPr lang="en-US"/>
           </a:p>
@@ -2411,7 +2411,7 @@
           <a:p>
             <a:fld id="{CA365A23-D275-4D5C-A163-A5AA11A9E6CE}" type="datetimeFigureOut">
               <a:rPr lang="en-US" smtClean="0"/>
-              <a:t>6/11/20</a:t>
+              <a:t>6/16/2020</a:t>
             </a:fld>
             <a:endParaRPr lang="en-US"/>
           </a:p>
@@ -2699,7 +2699,7 @@
           <a:p>
             <a:fld id="{CA365A23-D275-4D5C-A163-A5AA11A9E6CE}" type="datetimeFigureOut">
               <a:rPr lang="en-US" smtClean="0"/>
-              <a:t>6/11/20</a:t>
+              <a:t>6/16/2020</a:t>
             </a:fld>
             <a:endParaRPr lang="en-US"/>
           </a:p>
@@ -2940,7 +2940,7 @@
           <a:p>
             <a:fld id="{CA365A23-D275-4D5C-A163-A5AA11A9E6CE}" type="datetimeFigureOut">
               <a:rPr lang="en-US" smtClean="0"/>
-              <a:t>6/11/20</a:t>
+              <a:t>6/16/2020</a:t>
             </a:fld>
             <a:endParaRPr lang="en-US"/>
           </a:p>
@@ -7182,7 +7182,7 @@
             <a:noFill/>
             <a:extLst>
               <a:ext uri="{909E8E84-426E-40dd-AFC4-6F175D3DCCD1}">
-                <a14:hiddenFill xmlns="" xmlns:a14="http://schemas.microsoft.com/office/drawing/2010/main">
+                <a14:hiddenFill xmlns:a14="http://schemas.microsoft.com/office/drawing/2010/main" xmlns="">
                   <a:solidFill>
                     <a:srgbClr val="FFFFFF"/>
                   </a:solidFill>
@@ -7227,7 +7227,7 @@
             <a:noFill/>
             <a:extLst>
               <a:ext uri="{909E8E84-426E-40dd-AFC4-6F175D3DCCD1}">
-                <a14:hiddenFill xmlns="" xmlns:a14="http://schemas.microsoft.com/office/drawing/2010/main">
+                <a14:hiddenFill xmlns:a14="http://schemas.microsoft.com/office/drawing/2010/main" xmlns="">
                   <a:solidFill>
                     <a:srgbClr val="FFFFFF"/>
                   </a:solidFill>
@@ -7272,7 +7272,7 @@
             <a:noFill/>
             <a:extLst>
               <a:ext uri="{909E8E84-426E-40dd-AFC4-6F175D3DCCD1}">
-                <a14:hiddenFill xmlns="" xmlns:a14="http://schemas.microsoft.com/office/drawing/2010/main">
+                <a14:hiddenFill xmlns:a14="http://schemas.microsoft.com/office/drawing/2010/main" xmlns="">
                   <a:solidFill>
                     <a:srgbClr val="FFFFFF"/>
                   </a:solidFill>
@@ -9033,11 +9033,11 @@
             </a:r>
             <a:r>
               <a:rPr lang="en-US" b="1" dirty="0"/>
-              <a:t>Participant ID</a:t>
+              <a:t>Participant ID, Condition, </a:t>
             </a:r>
             <a:r>
               <a:rPr lang="en-US" dirty="0"/>
-              <a:t> and </a:t>
+              <a:t>and </a:t>
             </a:r>
             <a:r>
               <a:rPr lang="en-US" b="1" dirty="0"/>
@@ -9504,7 +9504,7 @@
             <a:noFill/>
             <a:extLst>
               <a:ext uri="{909E8E84-426E-40dd-AFC4-6F175D3DCCD1}">
-                <a14:hiddenFill xmlns="" xmlns:a14="http://schemas.microsoft.com/office/drawing/2010/main">
+                <a14:hiddenFill xmlns:a14="http://schemas.microsoft.com/office/drawing/2010/main" xmlns="">
                   <a:solidFill>
                     <a:srgbClr val="FFFFFF"/>
                   </a:solidFill>
@@ -10715,7 +10715,7 @@
             <a:noFill/>
             <a:extLst>
               <a:ext uri="{909E8E84-426E-40dd-AFC4-6F175D3DCCD1}">
-                <a14:hiddenFill xmlns="" xmlns:a14="http://schemas.microsoft.com/office/drawing/2010/main">
+                <a14:hiddenFill xmlns:a14="http://schemas.microsoft.com/office/drawing/2010/main" xmlns="">
                   <a:solidFill>
                     <a:srgbClr val="FFFFFF"/>
                   </a:solidFill>
@@ -10760,7 +10760,7 @@
             <a:noFill/>
             <a:extLst>
               <a:ext uri="{909E8E84-426E-40dd-AFC4-6F175D3DCCD1}">
-                <a14:hiddenFill xmlns="" xmlns:a14="http://schemas.microsoft.com/office/drawing/2010/main">
+                <a14:hiddenFill xmlns:a14="http://schemas.microsoft.com/office/drawing/2010/main" xmlns="">
                   <a:solidFill>
                     <a:srgbClr val="FFFFFF"/>
                   </a:solidFill>
@@ -10805,7 +10805,7 @@
             <a:noFill/>
             <a:extLst>
               <a:ext uri="{909E8E84-426E-40dd-AFC4-6F175D3DCCD1}">
-                <a14:hiddenFill xmlns="" xmlns:a14="http://schemas.microsoft.com/office/drawing/2010/main">
+                <a14:hiddenFill xmlns:a14="http://schemas.microsoft.com/office/drawing/2010/main" xmlns="">
                   <a:solidFill>
                     <a:srgbClr val="FFFFFF"/>
                   </a:solidFill>
